--- a/Smartride proposal.pptx
+++ b/Smartride proposal.pptx
@@ -3113,7 +3113,7 @@
           <a:p>
             <a:fld id="{9F25B262-14DC-474E-AC5C-BC3F62686AC9}" type="datetimeFigureOut">
               <a:rPr lang="en-US" smtClean="0"/>
-              <a:t>4/24/2025</a:t>
+              <a:t>4/28/2025</a:t>
             </a:fld>
             <a:endParaRPr lang="en-US"/>
           </a:p>
@@ -3311,7 +3311,7 @@
           <a:p>
             <a:fld id="{9F25B262-14DC-474E-AC5C-BC3F62686AC9}" type="datetimeFigureOut">
               <a:rPr lang="en-US" smtClean="0"/>
-              <a:t>4/24/2025</a:t>
+              <a:t>4/28/2025</a:t>
             </a:fld>
             <a:endParaRPr lang="en-US"/>
           </a:p>
@@ -3519,7 +3519,7 @@
           <a:p>
             <a:fld id="{9F25B262-14DC-474E-AC5C-BC3F62686AC9}" type="datetimeFigureOut">
               <a:rPr lang="en-US" smtClean="0"/>
-              <a:t>4/24/2025</a:t>
+              <a:t>4/28/2025</a:t>
             </a:fld>
             <a:endParaRPr lang="en-US"/>
           </a:p>
@@ -3717,7 +3717,7 @@
           <a:p>
             <a:fld id="{9F25B262-14DC-474E-AC5C-BC3F62686AC9}" type="datetimeFigureOut">
               <a:rPr lang="en-US" smtClean="0"/>
-              <a:t>4/24/2025</a:t>
+              <a:t>4/28/2025</a:t>
             </a:fld>
             <a:endParaRPr lang="en-US"/>
           </a:p>
@@ -3992,7 +3992,7 @@
           <a:p>
             <a:fld id="{9F25B262-14DC-474E-AC5C-BC3F62686AC9}" type="datetimeFigureOut">
               <a:rPr lang="en-US" smtClean="0"/>
-              <a:t>4/24/2025</a:t>
+              <a:t>4/28/2025</a:t>
             </a:fld>
             <a:endParaRPr lang="en-US"/>
           </a:p>
@@ -4257,7 +4257,7 @@
           <a:p>
             <a:fld id="{9F25B262-14DC-474E-AC5C-BC3F62686AC9}" type="datetimeFigureOut">
               <a:rPr lang="en-US" smtClean="0"/>
-              <a:t>4/24/2025</a:t>
+              <a:t>4/28/2025</a:t>
             </a:fld>
             <a:endParaRPr lang="en-US"/>
           </a:p>
@@ -4669,7 +4669,7 @@
           <a:p>
             <a:fld id="{9F25B262-14DC-474E-AC5C-BC3F62686AC9}" type="datetimeFigureOut">
               <a:rPr lang="en-US" smtClean="0"/>
-              <a:t>4/24/2025</a:t>
+              <a:t>4/28/2025</a:t>
             </a:fld>
             <a:endParaRPr lang="en-US"/>
           </a:p>
@@ -4810,7 +4810,7 @@
           <a:p>
             <a:fld id="{9F25B262-14DC-474E-AC5C-BC3F62686AC9}" type="datetimeFigureOut">
               <a:rPr lang="en-US" smtClean="0"/>
-              <a:t>4/24/2025</a:t>
+              <a:t>4/28/2025</a:t>
             </a:fld>
             <a:endParaRPr lang="en-US"/>
           </a:p>
@@ -4923,7 +4923,7 @@
           <a:p>
             <a:fld id="{9F25B262-14DC-474E-AC5C-BC3F62686AC9}" type="datetimeFigureOut">
               <a:rPr lang="en-US" smtClean="0"/>
-              <a:t>4/24/2025</a:t>
+              <a:t>4/28/2025</a:t>
             </a:fld>
             <a:endParaRPr lang="en-US"/>
           </a:p>
@@ -5234,7 +5234,7 @@
           <a:p>
             <a:fld id="{9F25B262-14DC-474E-AC5C-BC3F62686AC9}" type="datetimeFigureOut">
               <a:rPr lang="en-US" smtClean="0"/>
-              <a:t>4/24/2025</a:t>
+              <a:t>4/28/2025</a:t>
             </a:fld>
             <a:endParaRPr lang="en-US"/>
           </a:p>
@@ -5522,7 +5522,7 @@
           <a:p>
             <a:fld id="{9F25B262-14DC-474E-AC5C-BC3F62686AC9}" type="datetimeFigureOut">
               <a:rPr lang="en-US" smtClean="0"/>
-              <a:t>4/24/2025</a:t>
+              <a:t>4/28/2025</a:t>
             </a:fld>
             <a:endParaRPr lang="en-US"/>
           </a:p>
@@ -5763,7 +5763,7 @@
           <a:p>
             <a:fld id="{9F25B262-14DC-474E-AC5C-BC3F62686AC9}" type="datetimeFigureOut">
               <a:rPr lang="en-US" smtClean="0"/>
-              <a:t>4/24/2025</a:t>
+              <a:t>4/28/2025</a:t>
             </a:fld>
             <a:endParaRPr lang="en-US"/>
           </a:p>
@@ -6366,7 +6366,7 @@
             </a:pPr>
             <a:r>
               <a:rPr lang="en-GB" sz="2000" dirty="0"/>
-              <a:t>Phạm Lê Anh </a:t>
+              <a:t>523K0010 - Phạm Lê Anh </a:t>
             </a:r>
             <a:r>
               <a:rPr lang="en-GB" sz="2000" dirty="0" err="1"/>
@@ -6379,8 +6379,12 @@
               <a:buNone/>
             </a:pPr>
             <a:r>
+              <a:rPr lang="en-GB" sz="2000"/>
+              <a:t>523K0013 - Dương </a:t>
+            </a:r>
+            <a:r>
               <a:rPr lang="en-GB" sz="2000" dirty="0"/>
-              <a:t>Dương Thành Long</a:t>
+              <a:t>Thành Long</a:t>
             </a:r>
             <a:endParaRPr lang="en-US" sz="2000" dirty="0"/>
           </a:p>
